--- a/results/generated_presentation.pptx
+++ b/results/generated_presentation.pptx
@@ -3143,13 +3143,13 @@
           <a:p>
             <a:r>
               <a:rPr sz="2000"/>
-              <a:t>- Originated as the underlying technology for cryptocurrencies like Bitcoin.</a:t>
+              <a:t>- Blocks are linked together in a chain, creating a tamper-resistant record of data.</a:t>
             </a:r>
           </a:p>
           <a:p>
             <a:r>
               <a:rPr sz="2000"/>
-              <a:t>- Provides immutability and tamper-proof record-keeping.</a:t>
+              <a:t>- Originally developed for cryptocurrencies like Bitcoin, blockchain has various applications beyond finance.</a:t>
             </a:r>
           </a:p>
         </p:txBody>
@@ -3189,7 +3189,7 @@
           <a:p>
             <a:r>
               <a:rPr sz="3000"/>
-              <a:t>Slide 2 - Key Concepts of Blockchain</a:t>
+              <a:t>Slide 2 - Key Features of Blockchain Technology</a:t>
             </a:r>
           </a:p>
         </p:txBody>
@@ -3211,25 +3211,25 @@
           <a:p>
             <a:r>
               <a:rPr sz="2000"/>
-              <a:t>- Consensus Mechanisms ensure agreement on the validity of transactions.</a:t>
+              <a:t>- Immutability: Data once recorded cannot be altered or deleted.</a:t>
             </a:r>
           </a:p>
           <a:p>
             <a:r>
               <a:rPr sz="2000"/>
-              <a:t>- Smart Contracts automate and enforce contract execution based on predefined rules.</a:t>
+              <a:t>- Decentralization: No single entity controls the entire network.</a:t>
             </a:r>
           </a:p>
           <a:p>
             <a:r>
               <a:rPr sz="2000"/>
-              <a:t>- Decentralization eliminates single points of control or failure.</a:t>
+              <a:t>- Transparency: All transactions are visible to participants in the network.</a:t>
             </a:r>
           </a:p>
           <a:p>
             <a:r>
               <a:rPr sz="2000"/>
-              <a:t>- Cryptography ensures secure data storage and transaction validation.</a:t>
+              <a:t>- Security: Cryptographic techniques ensure the integrity of the data.</a:t>
             </a:r>
           </a:p>
         </p:txBody>
@@ -3269,7 +3269,7 @@
           <a:p>
             <a:r>
               <a:rPr sz="3000"/>
-              <a:t>Slide 3 - Use Cases of Blockchain Technology</a:t>
+              <a:t>Slide 3 - How Blockchain Works</a:t>
             </a:r>
           </a:p>
         </p:txBody>
@@ -3291,25 +3291,25 @@
           <a:p>
             <a:r>
               <a:rPr sz="2000"/>
-              <a:t>- Financial Services: Facilitates faster and cheaper cross-border payments.</a:t>
+              <a:t>- Transactions are grouped into blocks and verified by network participants through consensus mechanisms.</a:t>
             </a:r>
           </a:p>
           <a:p>
             <a:r>
               <a:rPr sz="2000"/>
-              <a:t>- Supply Chain Management: Enhances transparency and traceability of goods.</a:t>
+              <a:t>- Each block contains a unique hash code that connects it to the previous block, forming a chain.</a:t>
             </a:r>
           </a:p>
           <a:p>
             <a:r>
               <a:rPr sz="2000"/>
-              <a:t>- Healthcare: Improves patient data management and interoperability.</a:t>
+              <a:t>- Once added to the chain, information is permanent and cannot be modified.</a:t>
             </a:r>
           </a:p>
           <a:p>
             <a:r>
               <a:rPr sz="2000"/>
-              <a:t>- Voting Systems: Ensures transparent and tamper-proof electoral processes.</a:t>
+              <a:t>- Smart contracts, self-executing agreements coded on the blockchain, automate processes and ensure trust.</a:t>
             </a:r>
           </a:p>
         </p:txBody>
@@ -3349,7 +3349,7 @@
           <a:p>
             <a:r>
               <a:rPr sz="3000"/>
-              <a:t>Slide 4 - Benefits of Blockchain Technology</a:t>
+              <a:t>Slide 4 - Applications of Blockchain Technology</a:t>
             </a:r>
           </a:p>
         </p:txBody>
@@ -3371,25 +3371,25 @@
           <a:p>
             <a:r>
               <a:rPr sz="2000"/>
-              <a:t>- Enhanced Security: Data stored in blocks that are cryptographically linked and time-stamped.</a:t>
+              <a:t>- Cryptocurrencies: Bitcoin, Ethereum, and other digital currencies utilize blockchain for secure transactions.</a:t>
             </a:r>
           </a:p>
           <a:p>
             <a:r>
               <a:rPr sz="2000"/>
-              <a:t>- Increased Transparency: All participants have access to a single source of truth.</a:t>
+              <a:t>- Supply Chain Management: Tracking products from origin to delivery, ensuring authenticity and transparency.</a:t>
             </a:r>
           </a:p>
           <a:p>
             <a:r>
               <a:rPr sz="2000"/>
-              <a:t>- Reduced Costs: Eliminates intermediaries and decreases transaction fees.</a:t>
+              <a:t>- Healthcare: Securely storing and sharing patient data, enabling interoperability while protecting privacy.</a:t>
             </a:r>
           </a:p>
           <a:p>
             <a:r>
               <a:rPr sz="2000"/>
-              <a:t>- Improved Efficiency: Streamlines processes by automating trust-based interactions.</a:t>
+              <a:t>- Voting Systems: Enhancing transparency and reducing fraud in electoral processes.</a:t>
             </a:r>
           </a:p>
         </p:txBody>
@@ -3451,13 +3451,13 @@
           <a:p>
             <a:r>
               <a:rPr sz="2000"/>
-              <a:t>- Blockchain technology offers a paradigm shift in how data is managed and transactions are conducted.</a:t>
+              <a:t>- Blockchain technology offers a foundation for secure, transparent, and decentralized systems.</a:t>
             </a:r>
           </a:p>
           <a:p>
             <a:r>
               <a:rPr sz="2000"/>
-              <a:t>- Its potential applications span across various industries, promising increased security, transparency, and efficiency.</a:t>
+              <a:t>- Understanding its key features and applications is crucial for beginners entering the world of distributed ledger technology.</a:t>
             </a:r>
           </a:p>
         </p:txBody>
